--- a/JSTrainingj.pptx
+++ b/JSTrainingj.pptx
@@ -5,7 +5,7 @@
     <p:sldMasterId id="2147483648" r:id="rId1"/>
   </p:sldMasterIdLst>
   <p:notesMasterIdLst>
-    <p:notesMasterId r:id="rId13"/>
+    <p:notesMasterId r:id="rId19"/>
   </p:notesMasterIdLst>
   <p:sldIdLst>
     <p:sldId id="256" r:id="rId2"/>
@@ -19,6 +19,12 @@
     <p:sldId id="265" r:id="rId10"/>
     <p:sldId id="266" r:id="rId11"/>
     <p:sldId id="267" r:id="rId12"/>
+    <p:sldId id="268" r:id="rId13"/>
+    <p:sldId id="269" r:id="rId14"/>
+    <p:sldId id="270" r:id="rId15"/>
+    <p:sldId id="271" r:id="rId16"/>
+    <p:sldId id="273" r:id="rId17"/>
+    <p:sldId id="272" r:id="rId18"/>
   </p:sldIdLst>
   <p:sldSz cx="12192000" cy="6858000"/>
   <p:notesSz cx="6858000" cy="9144000"/>
@@ -3581,16 +3587,128 @@
               <a:t>i</a:t>
             </a:r>
             <a:r>
-              <a:rPr lang="en-GB" smtClean="0"/>
+              <a:rPr lang="en-GB" dirty="0" smtClean="0"/>
               <a:t>);}</a:t>
             </a:r>
           </a:p>
           <a:p>
             <a:r>
-              <a:rPr lang="en-GB" smtClean="0"/>
-              <a:t> </a:t>
-            </a:r>
-            <a:endParaRPr lang="en-GB"/>
+              <a:rPr lang="en-GB" dirty="0" smtClean="0"/>
+              <a:t>for(x in array){</a:t>
+            </a:r>
+            <a:r>
+              <a:rPr lang="en-GB" dirty="0" err="1" smtClean="0"/>
+              <a:t>console.log</a:t>
+            </a:r>
+            <a:r>
+              <a:rPr lang="en-GB" dirty="0" smtClean="0"/>
+              <a:t>(x);}</a:t>
+            </a:r>
+          </a:p>
+          <a:p>
+            <a:r>
+              <a:rPr lang="en-GB" dirty="0" smtClean="0"/>
+              <a:t>while (true){</a:t>
+            </a:r>
+            <a:r>
+              <a:rPr lang="en-GB" dirty="0" err="1" smtClean="0"/>
+              <a:t>console.log</a:t>
+            </a:r>
+            <a:r>
+              <a:rPr lang="en-GB" dirty="0" smtClean="0"/>
+              <a:t>(</a:t>
+            </a:r>
+            <a:r>
+              <a:rPr lang="en-GB" dirty="0" err="1" smtClean="0"/>
+              <a:t>i</a:t>
+            </a:r>
+            <a:r>
+              <a:rPr lang="en-GB" dirty="0" smtClean="0"/>
+              <a:t>)}</a:t>
+            </a:r>
+          </a:p>
+          <a:p>
+            <a:r>
+              <a:rPr lang="en-GB" dirty="0" smtClean="0"/>
+              <a:t>do {</a:t>
+            </a:r>
+            <a:r>
+              <a:rPr lang="en-GB" dirty="0" err="1" smtClean="0"/>
+              <a:t>console.log</a:t>
+            </a:r>
+            <a:r>
+              <a:rPr lang="en-GB" dirty="0" smtClean="0"/>
+              <a:t>(</a:t>
+            </a:r>
+            <a:r>
+              <a:rPr lang="en-GB" dirty="0" err="1" smtClean="0"/>
+              <a:t>i</a:t>
+            </a:r>
+            <a:r>
+              <a:rPr lang="en-GB" dirty="0" smtClean="0"/>
+              <a:t>)} while(true);</a:t>
+            </a:r>
+          </a:p>
+          <a:p>
+            <a:r>
+              <a:rPr lang="en-GB" dirty="0" smtClean="0"/>
+              <a:t>ES6: </a:t>
+            </a:r>
+            <a:r>
+              <a:rPr lang="en-GB" dirty="0" err="1" smtClean="0"/>
+              <a:t>array.forEach</a:t>
+            </a:r>
+            <a:r>
+              <a:rPr lang="en-GB" dirty="0" smtClean="0"/>
+              <a:t>((</a:t>
+            </a:r>
+            <a:r>
+              <a:rPr lang="en-GB" dirty="0" err="1" smtClean="0"/>
+              <a:t>e,i</a:t>
+            </a:r>
+            <a:r>
+              <a:rPr lang="en-GB" dirty="0" smtClean="0"/>
+              <a:t>) =&gt; </a:t>
+            </a:r>
+            <a:r>
+              <a:rPr lang="en-GB" dirty="0" err="1" smtClean="0"/>
+              <a:t>console.log</a:t>
+            </a:r>
+            <a:r>
+              <a:rPr lang="en-GB" dirty="0" smtClean="0"/>
+              <a:t>(e));</a:t>
+            </a:r>
+          </a:p>
+          <a:p>
+            <a:r>
+              <a:rPr lang="en-GB" dirty="0" smtClean="0"/>
+              <a:t>ES5: </a:t>
+            </a:r>
+            <a:r>
+              <a:rPr lang="en-GB" dirty="0" err="1" smtClean="0"/>
+              <a:t>array.forEach</a:t>
+            </a:r>
+            <a:r>
+              <a:rPr lang="en-GB" dirty="0" smtClean="0"/>
+              <a:t>(function(</a:t>
+            </a:r>
+            <a:r>
+              <a:rPr lang="en-GB" dirty="0" err="1" smtClean="0"/>
+              <a:t>e,i</a:t>
+            </a:r>
+            <a:r>
+              <a:rPr lang="en-GB" dirty="0" smtClean="0"/>
+              <a:t>){</a:t>
+            </a:r>
+            <a:r>
+              <a:rPr lang="en-GB" dirty="0" err="1" smtClean="0"/>
+              <a:t>console.log</a:t>
+            </a:r>
+            <a:r>
+              <a:rPr lang="en-GB" dirty="0" smtClean="0"/>
+              <a:t>(e)});</a:t>
+            </a:r>
+            <a:endParaRPr lang="en-GB" dirty="0"/>
           </a:p>
         </p:txBody>
       </p:sp>
@@ -3598,6 +3716,725 @@
     <p:extLst>
       <p:ext uri="{BB962C8B-B14F-4D97-AF65-F5344CB8AC3E}">
         <p14:creationId xmlns:p14="http://schemas.microsoft.com/office/powerpoint/2010/main" val="702184386"/>
+      </p:ext>
+    </p:extLst>
+  </p:cSld>
+  <p:clrMapOvr>
+    <a:masterClrMapping/>
+  </p:clrMapOvr>
+</p:sld>
+</file>
+
+<file path=ppt/slides/slide12.xml><?xml version="1.0" encoding="utf-8"?>
+<p:sld xmlns:a="http://schemas.openxmlformats.org/drawingml/2006/main" xmlns:r="http://schemas.openxmlformats.org/officeDocument/2006/relationships" xmlns:p="http://schemas.openxmlformats.org/presentationml/2006/main">
+  <p:cSld>
+    <p:spTree>
+      <p:nvGrpSpPr>
+        <p:cNvPr id="1" name=""/>
+        <p:cNvGrpSpPr/>
+        <p:nvPr/>
+      </p:nvGrpSpPr>
+      <p:grpSpPr>
+        <a:xfrm>
+          <a:off x="0" y="0"/>
+          <a:ext cx="0" cy="0"/>
+          <a:chOff x="0" y="0"/>
+          <a:chExt cx="0" cy="0"/>
+        </a:xfrm>
+      </p:grpSpPr>
+      <p:sp>
+        <p:nvSpPr>
+          <p:cNvPr id="2" name="Title 1"/>
+          <p:cNvSpPr>
+            <a:spLocks noGrp="1"/>
+          </p:cNvSpPr>
+          <p:nvPr>
+            <p:ph type="title"/>
+          </p:nvPr>
+        </p:nvSpPr>
+        <p:spPr/>
+        <p:txBody>
+          <a:bodyPr/>
+          <a:lstStyle/>
+          <a:p>
+            <a:r>
+              <a:rPr lang="en-GB" dirty="0" smtClean="0"/>
+              <a:t>Get Elements from Document Object Model</a:t>
+            </a:r>
+            <a:endParaRPr lang="en-GB" dirty="0"/>
+          </a:p>
+        </p:txBody>
+      </p:sp>
+      <p:sp>
+        <p:nvSpPr>
+          <p:cNvPr id="3" name="Content Placeholder 2"/>
+          <p:cNvSpPr>
+            <a:spLocks noGrp="1"/>
+          </p:cNvSpPr>
+          <p:nvPr>
+            <p:ph idx="1"/>
+          </p:nvPr>
+        </p:nvSpPr>
+        <p:spPr/>
+        <p:txBody>
+          <a:bodyPr/>
+          <a:lstStyle/>
+          <a:p>
+            <a:r>
+              <a:rPr lang="en-GB" dirty="0" smtClean="0"/>
+              <a:t>document</a:t>
+            </a:r>
+          </a:p>
+          <a:p>
+            <a:r>
+              <a:rPr lang="en-GB" dirty="0" err="1" smtClean="0"/>
+              <a:t>document.getElementsByTagName</a:t>
+            </a:r>
+            <a:r>
+              <a:rPr lang="en-GB" dirty="0" smtClean="0"/>
+              <a:t>(’</a:t>
+            </a:r>
+            <a:r>
+              <a:rPr lang="en-GB" dirty="0" err="1" smtClean="0"/>
+              <a:t>Tagame</a:t>
+            </a:r>
+            <a:r>
+              <a:rPr lang="en-GB" dirty="0" smtClean="0"/>
+              <a:t>’); returns html Collection</a:t>
+            </a:r>
+          </a:p>
+          <a:p>
+            <a:r>
+              <a:rPr lang="en-GB" dirty="0" err="1" smtClean="0"/>
+              <a:t>document.getElementsByClassName</a:t>
+            </a:r>
+            <a:r>
+              <a:rPr lang="en-GB" dirty="0" smtClean="0"/>
+              <a:t>(‘</a:t>
+            </a:r>
+            <a:r>
+              <a:rPr lang="en-GB" dirty="0" err="1" smtClean="0"/>
+              <a:t>ClassName</a:t>
+            </a:r>
+            <a:r>
+              <a:rPr lang="en-GB" dirty="0" smtClean="0"/>
+              <a:t>’); </a:t>
+            </a:r>
+            <a:r>
+              <a:rPr lang="en-GB" dirty="0" err="1" smtClean="0"/>
+              <a:t>returs</a:t>
+            </a:r>
+            <a:r>
+              <a:rPr lang="en-GB" dirty="0" smtClean="0"/>
+              <a:t> html Collection</a:t>
+            </a:r>
+          </a:p>
+          <a:p>
+            <a:r>
+              <a:rPr lang="en-GB" dirty="0" err="1" smtClean="0"/>
+              <a:t>document.getElementById</a:t>
+            </a:r>
+            <a:r>
+              <a:rPr lang="en-GB" dirty="0" smtClean="0"/>
+              <a:t>(‘id’); returns html element</a:t>
+            </a:r>
+          </a:p>
+          <a:p>
+            <a:r>
+              <a:rPr lang="en-GB" dirty="0" smtClean="0"/>
+              <a:t>These functions can also be executed on other html elements </a:t>
+            </a:r>
+            <a:endParaRPr lang="en-GB" dirty="0"/>
+          </a:p>
+        </p:txBody>
+      </p:sp>
+    </p:spTree>
+    <p:extLst>
+      <p:ext uri="{BB962C8B-B14F-4D97-AF65-F5344CB8AC3E}">
+        <p14:creationId xmlns:p14="http://schemas.microsoft.com/office/powerpoint/2010/main" val="680424845"/>
+      </p:ext>
+    </p:extLst>
+  </p:cSld>
+  <p:clrMapOvr>
+    <a:masterClrMapping/>
+  </p:clrMapOvr>
+</p:sld>
+</file>
+
+<file path=ppt/slides/slide13.xml><?xml version="1.0" encoding="utf-8"?>
+<p:sld xmlns:a="http://schemas.openxmlformats.org/drawingml/2006/main" xmlns:r="http://schemas.openxmlformats.org/officeDocument/2006/relationships" xmlns:p="http://schemas.openxmlformats.org/presentationml/2006/main">
+  <p:cSld>
+    <p:spTree>
+      <p:nvGrpSpPr>
+        <p:cNvPr id="1" name=""/>
+        <p:cNvGrpSpPr/>
+        <p:nvPr/>
+      </p:nvGrpSpPr>
+      <p:grpSpPr>
+        <a:xfrm>
+          <a:off x="0" y="0"/>
+          <a:ext cx="0" cy="0"/>
+          <a:chOff x="0" y="0"/>
+          <a:chExt cx="0" cy="0"/>
+        </a:xfrm>
+      </p:grpSpPr>
+      <p:sp>
+        <p:nvSpPr>
+          <p:cNvPr id="2" name="Title 1"/>
+          <p:cNvSpPr>
+            <a:spLocks noGrp="1"/>
+          </p:cNvSpPr>
+          <p:nvPr>
+            <p:ph type="title"/>
+          </p:nvPr>
+        </p:nvSpPr>
+        <p:spPr/>
+        <p:txBody>
+          <a:bodyPr/>
+          <a:lstStyle/>
+          <a:p>
+            <a:r>
+              <a:rPr lang="en-GB" dirty="0" smtClean="0"/>
+              <a:t>Create Elements in Document Object Model</a:t>
+            </a:r>
+            <a:endParaRPr lang="en-GB" dirty="0"/>
+          </a:p>
+        </p:txBody>
+      </p:sp>
+      <p:sp>
+        <p:nvSpPr>
+          <p:cNvPr id="3" name="Content Placeholder 2"/>
+          <p:cNvSpPr>
+            <a:spLocks noGrp="1"/>
+          </p:cNvSpPr>
+          <p:nvPr>
+            <p:ph idx="1"/>
+          </p:nvPr>
+        </p:nvSpPr>
+        <p:spPr/>
+        <p:txBody>
+          <a:bodyPr/>
+          <a:lstStyle/>
+          <a:p>
+            <a:r>
+              <a:rPr lang="en-GB" dirty="0" err="1" smtClean="0"/>
+              <a:t>var</a:t>
+            </a:r>
+            <a:r>
+              <a:rPr lang="en-GB" dirty="0" smtClean="0"/>
+              <a:t> element = </a:t>
+            </a:r>
+            <a:r>
+              <a:rPr lang="en-GB" dirty="0" err="1" smtClean="0"/>
+              <a:t>document.createElement</a:t>
+            </a:r>
+            <a:r>
+              <a:rPr lang="en-GB" dirty="0" smtClean="0"/>
+              <a:t>(’</a:t>
+            </a:r>
+            <a:r>
+              <a:rPr lang="en-GB" dirty="0" err="1" smtClean="0"/>
+              <a:t>tagname</a:t>
+            </a:r>
+            <a:r>
+              <a:rPr lang="en-GB" dirty="0" smtClean="0"/>
+              <a:t>’);</a:t>
+            </a:r>
+          </a:p>
+          <a:p>
+            <a:r>
+              <a:rPr lang="en-GB" dirty="0" err="1" smtClean="0"/>
+              <a:t>body.appendChild</a:t>
+            </a:r>
+            <a:r>
+              <a:rPr lang="en-GB" dirty="0" smtClean="0"/>
+              <a:t>(a);</a:t>
+            </a:r>
+            <a:endParaRPr lang="en-GB" dirty="0"/>
+          </a:p>
+        </p:txBody>
+      </p:sp>
+    </p:spTree>
+    <p:extLst>
+      <p:ext uri="{BB962C8B-B14F-4D97-AF65-F5344CB8AC3E}">
+        <p14:creationId xmlns:p14="http://schemas.microsoft.com/office/powerpoint/2010/main" val="459377849"/>
+      </p:ext>
+    </p:extLst>
+  </p:cSld>
+  <p:clrMapOvr>
+    <a:masterClrMapping/>
+  </p:clrMapOvr>
+</p:sld>
+</file>
+
+<file path=ppt/slides/slide14.xml><?xml version="1.0" encoding="utf-8"?>
+<p:sld xmlns:a="http://schemas.openxmlformats.org/drawingml/2006/main" xmlns:r="http://schemas.openxmlformats.org/officeDocument/2006/relationships" xmlns:p="http://schemas.openxmlformats.org/presentationml/2006/main">
+  <p:cSld>
+    <p:spTree>
+      <p:nvGrpSpPr>
+        <p:cNvPr id="1" name=""/>
+        <p:cNvGrpSpPr/>
+        <p:nvPr/>
+      </p:nvGrpSpPr>
+      <p:grpSpPr>
+        <a:xfrm>
+          <a:off x="0" y="0"/>
+          <a:ext cx="0" cy="0"/>
+          <a:chOff x="0" y="0"/>
+          <a:chExt cx="0" cy="0"/>
+        </a:xfrm>
+      </p:grpSpPr>
+      <p:sp>
+        <p:nvSpPr>
+          <p:cNvPr id="2" name="Title 1"/>
+          <p:cNvSpPr>
+            <a:spLocks noGrp="1"/>
+          </p:cNvSpPr>
+          <p:nvPr>
+            <p:ph type="title"/>
+          </p:nvPr>
+        </p:nvSpPr>
+        <p:spPr/>
+        <p:txBody>
+          <a:bodyPr/>
+          <a:lstStyle/>
+          <a:p>
+            <a:r>
+              <a:rPr lang="en-GB" dirty="0" smtClean="0"/>
+              <a:t>Modify html elements</a:t>
+            </a:r>
+            <a:endParaRPr lang="en-GB" dirty="0"/>
+          </a:p>
+        </p:txBody>
+      </p:sp>
+      <p:sp>
+        <p:nvSpPr>
+          <p:cNvPr id="3" name="Content Placeholder 2"/>
+          <p:cNvSpPr>
+            <a:spLocks noGrp="1"/>
+          </p:cNvSpPr>
+          <p:nvPr>
+            <p:ph idx="1"/>
+          </p:nvPr>
+        </p:nvSpPr>
+        <p:spPr/>
+        <p:txBody>
+          <a:bodyPr/>
+          <a:lstStyle/>
+          <a:p>
+            <a:r>
+              <a:rPr lang="en-GB" dirty="0" err="1" smtClean="0"/>
+              <a:t>element.innerText</a:t>
+            </a:r>
+            <a:r>
+              <a:rPr lang="en-GB" dirty="0" smtClean="0"/>
+              <a:t> = “Hello”;</a:t>
+            </a:r>
+          </a:p>
+          <a:p>
+            <a:r>
+              <a:rPr lang="en-GB" dirty="0" err="1" smtClean="0"/>
+              <a:t>element.innerHTML</a:t>
+            </a:r>
+            <a:r>
+              <a:rPr lang="en-GB" dirty="0" smtClean="0"/>
+              <a:t> = ”&lt;a </a:t>
+            </a:r>
+            <a:r>
+              <a:rPr lang="en-GB" dirty="0" err="1" smtClean="0"/>
+              <a:t>href</a:t>
+            </a:r>
+            <a:r>
+              <a:rPr lang="en-GB" dirty="0" smtClean="0"/>
+              <a:t>=’</a:t>
+            </a:r>
+            <a:r>
+              <a:rPr lang="en-GB" dirty="0" err="1" smtClean="0"/>
+              <a:t>google.com</a:t>
+            </a:r>
+            <a:r>
+              <a:rPr lang="en-GB" dirty="0" smtClean="0"/>
+              <a:t>’&gt;Link&lt;/a&gt;”;</a:t>
+            </a:r>
+          </a:p>
+          <a:p>
+            <a:r>
+              <a:rPr lang="en-GB" dirty="0" err="1" smtClean="0"/>
+              <a:t>element.style.backgroundColor</a:t>
+            </a:r>
+            <a:r>
+              <a:rPr lang="en-GB" dirty="0" smtClean="0"/>
+              <a:t> = “blue”;</a:t>
+            </a:r>
+          </a:p>
+          <a:p>
+            <a:r>
+              <a:rPr lang="en-GB" dirty="0" err="1"/>
+              <a:t>e</a:t>
+            </a:r>
+            <a:r>
+              <a:rPr lang="en-GB" dirty="0" err="1" smtClean="0"/>
+              <a:t>lement.ClassList.add</a:t>
+            </a:r>
+            <a:r>
+              <a:rPr lang="en-GB" dirty="0" smtClean="0"/>
+              <a:t>(‘Class1’,’Class2’);</a:t>
+            </a:r>
+          </a:p>
+          <a:p>
+            <a:r>
+              <a:rPr lang="en-GB" dirty="0" err="1" smtClean="0"/>
+              <a:t>element.id</a:t>
+            </a:r>
+            <a:r>
+              <a:rPr lang="en-GB" dirty="0" smtClean="0"/>
+              <a:t> = ”unique”;</a:t>
+            </a:r>
+          </a:p>
+          <a:p>
+            <a:r>
+              <a:rPr lang="en-GB" dirty="0" smtClean="0"/>
+              <a:t>Many more</a:t>
+            </a:r>
+            <a:r>
+              <a:rPr lang="mr-IN" dirty="0" smtClean="0"/>
+              <a:t>…</a:t>
+            </a:r>
+            <a:endParaRPr lang="en-GB" dirty="0"/>
+          </a:p>
+        </p:txBody>
+      </p:sp>
+    </p:spTree>
+    <p:extLst>
+      <p:ext uri="{BB962C8B-B14F-4D97-AF65-F5344CB8AC3E}">
+        <p14:creationId xmlns:p14="http://schemas.microsoft.com/office/powerpoint/2010/main" val="1534285705"/>
+      </p:ext>
+    </p:extLst>
+  </p:cSld>
+  <p:clrMapOvr>
+    <a:masterClrMapping/>
+  </p:clrMapOvr>
+</p:sld>
+</file>
+
+<file path=ppt/slides/slide15.xml><?xml version="1.0" encoding="utf-8"?>
+<p:sld xmlns:a="http://schemas.openxmlformats.org/drawingml/2006/main" xmlns:r="http://schemas.openxmlformats.org/officeDocument/2006/relationships" xmlns:p="http://schemas.openxmlformats.org/presentationml/2006/main">
+  <p:cSld>
+    <p:spTree>
+      <p:nvGrpSpPr>
+        <p:cNvPr id="1" name=""/>
+        <p:cNvGrpSpPr/>
+        <p:nvPr/>
+      </p:nvGrpSpPr>
+      <p:grpSpPr>
+        <a:xfrm>
+          <a:off x="0" y="0"/>
+          <a:ext cx="0" cy="0"/>
+          <a:chOff x="0" y="0"/>
+          <a:chExt cx="0" cy="0"/>
+        </a:xfrm>
+      </p:grpSpPr>
+      <p:sp>
+        <p:nvSpPr>
+          <p:cNvPr id="2" name="Title 1"/>
+          <p:cNvSpPr>
+            <a:spLocks noGrp="1"/>
+          </p:cNvSpPr>
+          <p:nvPr>
+            <p:ph type="title"/>
+          </p:nvPr>
+        </p:nvSpPr>
+        <p:spPr/>
+        <p:txBody>
+          <a:bodyPr/>
+          <a:lstStyle/>
+          <a:p>
+            <a:r>
+              <a:rPr lang="en-GB" dirty="0" smtClean="0"/>
+              <a:t>Operators</a:t>
+            </a:r>
+            <a:endParaRPr lang="en-GB" dirty="0"/>
+          </a:p>
+        </p:txBody>
+      </p:sp>
+      <p:sp>
+        <p:nvSpPr>
+          <p:cNvPr id="3" name="Content Placeholder 2"/>
+          <p:cNvSpPr>
+            <a:spLocks noGrp="1"/>
+          </p:cNvSpPr>
+          <p:nvPr>
+            <p:ph idx="1"/>
+          </p:nvPr>
+        </p:nvSpPr>
+        <p:spPr/>
+        <p:txBody>
+          <a:bodyPr/>
+          <a:lstStyle/>
+          <a:p>
+            <a:r>
+              <a:rPr lang="en-GB" dirty="0" smtClean="0"/>
+              <a:t>http://www.w3schools.com/</a:t>
+            </a:r>
+            <a:r>
+              <a:rPr lang="en-GB" dirty="0" err="1" smtClean="0"/>
+              <a:t>js</a:t>
+            </a:r>
+            <a:r>
+              <a:rPr lang="en-GB" dirty="0" smtClean="0"/>
+              <a:t>/</a:t>
+            </a:r>
+            <a:r>
+              <a:rPr lang="en-GB" dirty="0" err="1" smtClean="0"/>
+              <a:t>js_operators.asp</a:t>
+            </a:r>
+            <a:endParaRPr lang="en-GB" dirty="0"/>
+          </a:p>
+        </p:txBody>
+      </p:sp>
+    </p:spTree>
+    <p:extLst>
+      <p:ext uri="{BB962C8B-B14F-4D97-AF65-F5344CB8AC3E}">
+        <p14:creationId xmlns:p14="http://schemas.microsoft.com/office/powerpoint/2010/main" val="2047387429"/>
+      </p:ext>
+    </p:extLst>
+  </p:cSld>
+  <p:clrMapOvr>
+    <a:masterClrMapping/>
+  </p:clrMapOvr>
+</p:sld>
+</file>
+
+<file path=ppt/slides/slide16.xml><?xml version="1.0" encoding="utf-8"?>
+<p:sld xmlns:a="http://schemas.openxmlformats.org/drawingml/2006/main" xmlns:r="http://schemas.openxmlformats.org/officeDocument/2006/relationships" xmlns:p="http://schemas.openxmlformats.org/presentationml/2006/main">
+  <p:cSld>
+    <p:spTree>
+      <p:nvGrpSpPr>
+        <p:cNvPr id="1" name=""/>
+        <p:cNvGrpSpPr/>
+        <p:nvPr/>
+      </p:nvGrpSpPr>
+      <p:grpSpPr>
+        <a:xfrm>
+          <a:off x="0" y="0"/>
+          <a:ext cx="0" cy="0"/>
+          <a:chOff x="0" y="0"/>
+          <a:chExt cx="0" cy="0"/>
+        </a:xfrm>
+      </p:grpSpPr>
+      <p:sp>
+        <p:nvSpPr>
+          <p:cNvPr id="2" name="Title 1"/>
+          <p:cNvSpPr>
+            <a:spLocks noGrp="1"/>
+          </p:cNvSpPr>
+          <p:nvPr>
+            <p:ph type="title"/>
+          </p:nvPr>
+        </p:nvSpPr>
+        <p:spPr/>
+        <p:txBody>
+          <a:bodyPr/>
+          <a:lstStyle/>
+          <a:p>
+            <a:r>
+              <a:rPr lang="en-GB" dirty="0" smtClean="0"/>
+              <a:t>Object</a:t>
+            </a:r>
+            <a:endParaRPr lang="en-GB" dirty="0"/>
+          </a:p>
+        </p:txBody>
+      </p:sp>
+      <p:sp>
+        <p:nvSpPr>
+          <p:cNvPr id="3" name="Content Placeholder 2"/>
+          <p:cNvSpPr>
+            <a:spLocks noGrp="1"/>
+          </p:cNvSpPr>
+          <p:nvPr>
+            <p:ph idx="1"/>
+          </p:nvPr>
+        </p:nvSpPr>
+        <p:spPr/>
+        <p:txBody>
+          <a:bodyPr/>
+          <a:lstStyle/>
+          <a:p>
+            <a:endParaRPr lang="en-GB" dirty="0"/>
+          </a:p>
+        </p:txBody>
+      </p:sp>
+    </p:spTree>
+    <p:extLst>
+      <p:ext uri="{BB962C8B-B14F-4D97-AF65-F5344CB8AC3E}">
+        <p14:creationId xmlns:p14="http://schemas.microsoft.com/office/powerpoint/2010/main" val="518010740"/>
+      </p:ext>
+    </p:extLst>
+  </p:cSld>
+  <p:clrMapOvr>
+    <a:masterClrMapping/>
+  </p:clrMapOvr>
+</p:sld>
+</file>
+
+<file path=ppt/slides/slide17.xml><?xml version="1.0" encoding="utf-8"?>
+<p:sld xmlns:a="http://schemas.openxmlformats.org/drawingml/2006/main" xmlns:r="http://schemas.openxmlformats.org/officeDocument/2006/relationships" xmlns:p="http://schemas.openxmlformats.org/presentationml/2006/main">
+  <p:cSld>
+    <p:spTree>
+      <p:nvGrpSpPr>
+        <p:cNvPr id="1" name=""/>
+        <p:cNvGrpSpPr/>
+        <p:nvPr/>
+      </p:nvGrpSpPr>
+      <p:grpSpPr>
+        <a:xfrm>
+          <a:off x="0" y="0"/>
+          <a:ext cx="0" cy="0"/>
+          <a:chOff x="0" y="0"/>
+          <a:chExt cx="0" cy="0"/>
+        </a:xfrm>
+      </p:grpSpPr>
+      <p:sp>
+        <p:nvSpPr>
+          <p:cNvPr id="2" name="Title 1"/>
+          <p:cNvSpPr>
+            <a:spLocks noGrp="1"/>
+          </p:cNvSpPr>
+          <p:nvPr>
+            <p:ph type="title"/>
+          </p:nvPr>
+        </p:nvSpPr>
+        <p:spPr/>
+        <p:txBody>
+          <a:bodyPr/>
+          <a:lstStyle/>
+          <a:p>
+            <a:r>
+              <a:rPr lang="en-GB" dirty="0" smtClean="0"/>
+              <a:t>Array</a:t>
+            </a:r>
+            <a:endParaRPr lang="en-GB" dirty="0"/>
+          </a:p>
+        </p:txBody>
+      </p:sp>
+      <p:sp>
+        <p:nvSpPr>
+          <p:cNvPr id="3" name="Content Placeholder 2"/>
+          <p:cNvSpPr>
+            <a:spLocks noGrp="1"/>
+          </p:cNvSpPr>
+          <p:nvPr>
+            <p:ph idx="1"/>
+          </p:nvPr>
+        </p:nvSpPr>
+        <p:spPr/>
+        <p:txBody>
+          <a:bodyPr/>
+          <a:lstStyle/>
+          <a:p>
+            <a:r>
+              <a:rPr lang="en-GB" dirty="0" smtClean="0"/>
+              <a:t>Dynamic</a:t>
+            </a:r>
+          </a:p>
+          <a:p>
+            <a:r>
+              <a:rPr lang="en-GB" dirty="0" err="1" smtClean="0"/>
+              <a:t>var</a:t>
+            </a:r>
+            <a:r>
+              <a:rPr lang="en-GB" dirty="0" smtClean="0"/>
+              <a:t> array = [1,2,3,4,5];</a:t>
+            </a:r>
+          </a:p>
+          <a:p>
+            <a:r>
+              <a:rPr lang="en-GB" dirty="0" err="1" smtClean="0"/>
+              <a:t>var</a:t>
+            </a:r>
+            <a:r>
+              <a:rPr lang="en-GB" dirty="0" smtClean="0"/>
+              <a:t> array = new Array();</a:t>
+            </a:r>
+          </a:p>
+          <a:p>
+            <a:r>
+              <a:rPr lang="en-GB" dirty="0" err="1"/>
+              <a:t>v</a:t>
+            </a:r>
+            <a:r>
+              <a:rPr lang="en-GB" smtClean="0"/>
+              <a:t>ar</a:t>
+            </a:r>
+            <a:r>
+              <a:rPr lang="en-GB" dirty="0" smtClean="0"/>
+              <a:t> array = [];</a:t>
+            </a:r>
+            <a:endParaRPr lang="en-GB" dirty="0"/>
+          </a:p>
+          <a:p>
+            <a:r>
+              <a:rPr lang="en-GB" dirty="0"/>
+              <a:t>a</a:t>
+            </a:r>
+            <a:r>
+              <a:rPr lang="en-GB" dirty="0" smtClean="0"/>
+              <a:t>rray[0];</a:t>
+            </a:r>
+          </a:p>
+          <a:p>
+            <a:r>
+              <a:rPr lang="en-GB" dirty="0" err="1" smtClean="0"/>
+              <a:t>array.push</a:t>
+            </a:r>
+            <a:r>
+              <a:rPr lang="en-GB" dirty="0" smtClean="0"/>
+              <a:t>(5);</a:t>
+            </a:r>
+          </a:p>
+          <a:p>
+            <a:r>
+              <a:rPr lang="en-GB" dirty="0" err="1" smtClean="0"/>
+              <a:t>var</a:t>
+            </a:r>
+            <a:r>
+              <a:rPr lang="en-GB" dirty="0" smtClean="0"/>
+              <a:t> </a:t>
+            </a:r>
+            <a:r>
+              <a:rPr lang="en-GB" dirty="0" err="1" smtClean="0"/>
+              <a:t>objectArray</a:t>
+            </a:r>
+            <a:r>
+              <a:rPr lang="en-GB" dirty="0" smtClean="0"/>
+              <a:t> = [{name:"name",</a:t>
+            </a:r>
+            <a:r>
+              <a:rPr lang="en-GB" dirty="0" err="1" smtClean="0"/>
+              <a:t>lastname</a:t>
+            </a:r>
+            <a:r>
+              <a:rPr lang="en-GB" dirty="0" smtClean="0"/>
+              <a:t>:"</a:t>
+            </a:r>
+            <a:r>
+              <a:rPr lang="en-GB" dirty="0" err="1" smtClean="0"/>
+              <a:t>lastname</a:t>
+            </a:r>
+            <a:r>
+              <a:rPr lang="en-GB" dirty="0" smtClean="0"/>
+              <a:t>"},{name:"2name",lastname:"2lastname"}]</a:t>
+            </a:r>
+          </a:p>
+          <a:p>
+            <a:endParaRPr lang="en-GB" dirty="0"/>
+          </a:p>
+        </p:txBody>
+      </p:sp>
+    </p:spTree>
+    <p:extLst>
+      <p:ext uri="{BB962C8B-B14F-4D97-AF65-F5344CB8AC3E}">
+        <p14:creationId xmlns:p14="http://schemas.microsoft.com/office/powerpoint/2010/main" val="365940414"/>
       </p:ext>
     </p:extLst>
   </p:cSld>

--- a/JSTrainingj.pptx
+++ b/JSTrainingj.pptx
@@ -5,7 +5,7 @@
     <p:sldMasterId id="2147483648" r:id="rId1"/>
   </p:sldMasterIdLst>
   <p:notesMasterIdLst>
-    <p:notesMasterId r:id="rId19"/>
+    <p:notesMasterId r:id="rId21"/>
   </p:notesMasterIdLst>
   <p:sldIdLst>
     <p:sldId id="256" r:id="rId2"/>
@@ -25,6 +25,8 @@
     <p:sldId id="271" r:id="rId16"/>
     <p:sldId id="273" r:id="rId17"/>
     <p:sldId id="272" r:id="rId18"/>
+    <p:sldId id="274" r:id="rId19"/>
+    <p:sldId id="275" r:id="rId20"/>
   </p:sldIdLst>
   <p:sldSz cx="12192000" cy="6858000"/>
   <p:notesSz cx="6858000" cy="9144000"/>
@@ -4260,6 +4262,34 @@
           <a:bodyPr/>
           <a:lstStyle/>
           <a:p>
+            <a:r>
+              <a:rPr lang="en-GB" dirty="0" err="1"/>
+              <a:t>v</a:t>
+            </a:r>
+            <a:r>
+              <a:rPr lang="en-GB" dirty="0" err="1" smtClean="0"/>
+              <a:t>ar</a:t>
+            </a:r>
+            <a:r>
+              <a:rPr lang="en-GB" dirty="0" smtClean="0"/>
+              <a:t> person = {name: “name”, </a:t>
+            </a:r>
+            <a:r>
+              <a:rPr lang="en-GB" dirty="0" err="1" smtClean="0"/>
+              <a:t>lastname</a:t>
+            </a:r>
+            <a:r>
+              <a:rPr lang="en-GB" dirty="0" smtClean="0"/>
+              <a:t>: “</a:t>
+            </a:r>
+            <a:r>
+              <a:rPr lang="en-GB" dirty="0" err="1" smtClean="0"/>
+              <a:t>lastname</a:t>
+            </a:r>
+            <a:r>
+              <a:rPr lang="en-GB" dirty="0" smtClean="0"/>
+              <a:t>”};</a:t>
+            </a:r>
             <a:endParaRPr lang="en-GB" dirty="0"/>
           </a:p>
         </p:txBody>
@@ -4363,7 +4393,7 @@
               <a:t>v</a:t>
             </a:r>
             <a:r>
-              <a:rPr lang="en-GB" smtClean="0"/>
+              <a:rPr lang="en-GB" dirty="0" err="1" smtClean="0"/>
               <a:t>ar</a:t>
             </a:r>
             <a:r>
@@ -4435,6 +4465,246 @@
     <p:extLst>
       <p:ext uri="{BB962C8B-B14F-4D97-AF65-F5344CB8AC3E}">
         <p14:creationId xmlns:p14="http://schemas.microsoft.com/office/powerpoint/2010/main" val="365940414"/>
+      </p:ext>
+    </p:extLst>
+  </p:cSld>
+  <p:clrMapOvr>
+    <a:masterClrMapping/>
+  </p:clrMapOvr>
+</p:sld>
+</file>
+
+<file path=ppt/slides/slide18.xml><?xml version="1.0" encoding="utf-8"?>
+<p:sld xmlns:a="http://schemas.openxmlformats.org/drawingml/2006/main" xmlns:r="http://schemas.openxmlformats.org/officeDocument/2006/relationships" xmlns:p="http://schemas.openxmlformats.org/presentationml/2006/main">
+  <p:cSld>
+    <p:spTree>
+      <p:nvGrpSpPr>
+        <p:cNvPr id="1" name=""/>
+        <p:cNvGrpSpPr/>
+        <p:nvPr/>
+      </p:nvGrpSpPr>
+      <p:grpSpPr>
+        <a:xfrm>
+          <a:off x="0" y="0"/>
+          <a:ext cx="0" cy="0"/>
+          <a:chOff x="0" y="0"/>
+          <a:chExt cx="0" cy="0"/>
+        </a:xfrm>
+      </p:grpSpPr>
+      <p:sp>
+        <p:nvSpPr>
+          <p:cNvPr id="2" name="Title 1"/>
+          <p:cNvSpPr>
+            <a:spLocks noGrp="1"/>
+          </p:cNvSpPr>
+          <p:nvPr>
+            <p:ph type="title"/>
+          </p:nvPr>
+        </p:nvSpPr>
+        <p:spPr/>
+        <p:txBody>
+          <a:bodyPr/>
+          <a:lstStyle/>
+          <a:p>
+            <a:r>
+              <a:rPr lang="en-GB" dirty="0" smtClean="0"/>
+              <a:t>Functions</a:t>
+            </a:r>
+            <a:endParaRPr lang="en-GB" dirty="0"/>
+          </a:p>
+        </p:txBody>
+      </p:sp>
+      <p:sp>
+        <p:nvSpPr>
+          <p:cNvPr id="3" name="Content Placeholder 2"/>
+          <p:cNvSpPr>
+            <a:spLocks noGrp="1"/>
+          </p:cNvSpPr>
+          <p:nvPr>
+            <p:ph idx="1"/>
+          </p:nvPr>
+        </p:nvSpPr>
+        <p:spPr/>
+        <p:txBody>
+          <a:bodyPr/>
+          <a:lstStyle/>
+          <a:p>
+            <a:r>
+              <a:rPr lang="en-GB" dirty="0" smtClean="0">
+                <a:hlinkClick r:id="rId2"/>
+              </a:rPr>
+              <a:t>https://</a:t>
+            </a:r>
+            <a:r>
+              <a:rPr lang="en-GB" dirty="0" err="1" smtClean="0">
+                <a:hlinkClick r:id="rId2"/>
+              </a:rPr>
+              <a:t>github.com</a:t>
+            </a:r>
+            <a:r>
+              <a:rPr lang="en-GB" dirty="0" smtClean="0">
+                <a:hlinkClick r:id="rId2"/>
+              </a:rPr>
+              <a:t>/</a:t>
+            </a:r>
+            <a:r>
+              <a:rPr lang="en-GB" dirty="0" err="1" smtClean="0">
+                <a:hlinkClick r:id="rId2"/>
+              </a:rPr>
+              <a:t>jorisbaiutti</a:t>
+            </a:r>
+            <a:r>
+              <a:rPr lang="en-GB" dirty="0" smtClean="0">
+                <a:hlinkClick r:id="rId2"/>
+              </a:rPr>
+              <a:t>/</a:t>
+            </a:r>
+            <a:r>
+              <a:rPr lang="en-GB" dirty="0" err="1" smtClean="0">
+                <a:hlinkClick r:id="rId2"/>
+              </a:rPr>
+              <a:t>JSTraining</a:t>
+            </a:r>
+            <a:r>
+              <a:rPr lang="en-GB" dirty="0" smtClean="0">
+                <a:hlinkClick r:id="rId2"/>
+              </a:rPr>
+              <a:t>/blob/master/</a:t>
+            </a:r>
+            <a:r>
+              <a:rPr lang="en-GB" dirty="0" err="1" smtClean="0">
+                <a:hlinkClick r:id="rId2"/>
+              </a:rPr>
+              <a:t>functions.js</a:t>
+            </a:r>
+            <a:endParaRPr lang="en-GB" dirty="0"/>
+          </a:p>
+        </p:txBody>
+      </p:sp>
+    </p:spTree>
+    <p:extLst>
+      <p:ext uri="{BB962C8B-B14F-4D97-AF65-F5344CB8AC3E}">
+        <p14:creationId xmlns:p14="http://schemas.microsoft.com/office/powerpoint/2010/main" val="1574849871"/>
+      </p:ext>
+    </p:extLst>
+  </p:cSld>
+  <p:clrMapOvr>
+    <a:masterClrMapping/>
+  </p:clrMapOvr>
+</p:sld>
+</file>
+
+<file path=ppt/slides/slide19.xml><?xml version="1.0" encoding="utf-8"?>
+<p:sld xmlns:a="http://schemas.openxmlformats.org/drawingml/2006/main" xmlns:r="http://schemas.openxmlformats.org/officeDocument/2006/relationships" xmlns:p="http://schemas.openxmlformats.org/presentationml/2006/main">
+  <p:cSld>
+    <p:spTree>
+      <p:nvGrpSpPr>
+        <p:cNvPr id="1" name=""/>
+        <p:cNvGrpSpPr/>
+        <p:nvPr/>
+      </p:nvGrpSpPr>
+      <p:grpSpPr>
+        <a:xfrm>
+          <a:off x="0" y="0"/>
+          <a:ext cx="0" cy="0"/>
+          <a:chOff x="0" y="0"/>
+          <a:chExt cx="0" cy="0"/>
+        </a:xfrm>
+      </p:grpSpPr>
+      <p:sp>
+        <p:nvSpPr>
+          <p:cNvPr id="2" name="Title 1"/>
+          <p:cNvSpPr>
+            <a:spLocks noGrp="1"/>
+          </p:cNvSpPr>
+          <p:nvPr>
+            <p:ph type="title"/>
+          </p:nvPr>
+        </p:nvSpPr>
+        <p:spPr/>
+        <p:txBody>
+          <a:bodyPr/>
+          <a:lstStyle/>
+          <a:p>
+            <a:r>
+              <a:rPr lang="en-GB" dirty="0" smtClean="0"/>
+              <a:t>Objects</a:t>
+            </a:r>
+            <a:endParaRPr lang="en-GB" dirty="0"/>
+          </a:p>
+        </p:txBody>
+      </p:sp>
+      <p:sp>
+        <p:nvSpPr>
+          <p:cNvPr id="3" name="Content Placeholder 2"/>
+          <p:cNvSpPr>
+            <a:spLocks noGrp="1"/>
+          </p:cNvSpPr>
+          <p:nvPr>
+            <p:ph idx="1"/>
+          </p:nvPr>
+        </p:nvSpPr>
+        <p:spPr/>
+        <p:txBody>
+          <a:bodyPr/>
+          <a:lstStyle/>
+          <a:p>
+            <a:r>
+              <a:rPr lang="en-GB" dirty="0" smtClean="0">
+                <a:hlinkClick r:id="rId2"/>
+              </a:rPr>
+              <a:t>https://</a:t>
+            </a:r>
+            <a:r>
+              <a:rPr lang="en-GB" dirty="0" err="1" smtClean="0">
+                <a:hlinkClick r:id="rId2"/>
+              </a:rPr>
+              <a:t>github.com</a:t>
+            </a:r>
+            <a:r>
+              <a:rPr lang="en-GB" dirty="0" smtClean="0">
+                <a:hlinkClick r:id="rId2"/>
+              </a:rPr>
+              <a:t>/</a:t>
+            </a:r>
+            <a:r>
+              <a:rPr lang="en-GB" dirty="0" err="1" smtClean="0">
+                <a:hlinkClick r:id="rId2"/>
+              </a:rPr>
+              <a:t>jorisbaiutti</a:t>
+            </a:r>
+            <a:r>
+              <a:rPr lang="en-GB" dirty="0" smtClean="0">
+                <a:hlinkClick r:id="rId2"/>
+              </a:rPr>
+              <a:t>/</a:t>
+            </a:r>
+            <a:r>
+              <a:rPr lang="en-GB" dirty="0" err="1" smtClean="0">
+                <a:hlinkClick r:id="rId2"/>
+              </a:rPr>
+              <a:t>JSTraining</a:t>
+            </a:r>
+            <a:r>
+              <a:rPr lang="en-GB" dirty="0" smtClean="0">
+                <a:hlinkClick r:id="rId2"/>
+              </a:rPr>
+              <a:t>/blob/master/Objects/</a:t>
+            </a:r>
+            <a:r>
+              <a:rPr lang="en-GB" dirty="0" err="1" smtClean="0">
+                <a:hlinkClick r:id="rId2"/>
+              </a:rPr>
+              <a:t>Objects.js</a:t>
+            </a:r>
+            <a:endParaRPr lang="en-GB" dirty="0"/>
+          </a:p>
+        </p:txBody>
+      </p:sp>
+    </p:spTree>
+    <p:extLst>
+      <p:ext uri="{BB962C8B-B14F-4D97-AF65-F5344CB8AC3E}">
+        <p14:creationId xmlns:p14="http://schemas.microsoft.com/office/powerpoint/2010/main" val="1633889420"/>
       </p:ext>
     </p:extLst>
   </p:cSld>
@@ -4822,6 +5092,57 @@
               <a:rPr lang="en-GB" dirty="0" smtClean="0"/>
               <a:t>Separate File</a:t>
             </a:r>
+          </a:p>
+          <a:p>
+            <a:r>
+              <a:rPr lang="en-GB" dirty="0" smtClean="0">
+                <a:hlinkClick r:id="rId2"/>
+              </a:rPr>
+              <a:t>https://</a:t>
+            </a:r>
+            <a:r>
+              <a:rPr lang="en-GB" dirty="0" err="1" smtClean="0">
+                <a:hlinkClick r:id="rId2"/>
+              </a:rPr>
+              <a:t>github.com</a:t>
+            </a:r>
+            <a:r>
+              <a:rPr lang="en-GB" dirty="0" smtClean="0">
+                <a:hlinkClick r:id="rId2"/>
+              </a:rPr>
+              <a:t>/</a:t>
+            </a:r>
+            <a:r>
+              <a:rPr lang="en-GB" dirty="0" err="1" smtClean="0">
+                <a:hlinkClick r:id="rId2"/>
+              </a:rPr>
+              <a:t>jorisbaiutti</a:t>
+            </a:r>
+            <a:r>
+              <a:rPr lang="en-GB" dirty="0" smtClean="0">
+                <a:hlinkClick r:id="rId2"/>
+              </a:rPr>
+              <a:t>/</a:t>
+            </a:r>
+            <a:r>
+              <a:rPr lang="en-GB" dirty="0" err="1" smtClean="0">
+                <a:hlinkClick r:id="rId2"/>
+              </a:rPr>
+              <a:t>JSTraining</a:t>
+            </a:r>
+            <a:r>
+              <a:rPr lang="en-GB" dirty="0" smtClean="0">
+                <a:hlinkClick r:id="rId2"/>
+              </a:rPr>
+              <a:t>/blob/master/</a:t>
+            </a:r>
+            <a:r>
+              <a:rPr lang="en-GB" dirty="0" err="1" smtClean="0">
+                <a:hlinkClick r:id="rId2"/>
+              </a:rPr>
+              <a:t>executejavascript.html</a:t>
+            </a:r>
+            <a:endParaRPr lang="en-GB" dirty="0" smtClean="0"/>
           </a:p>
         </p:txBody>
       </p:sp>

--- a/JSTrainingj.pptx
+++ b/JSTrainingj.pptx
@@ -5,7 +5,7 @@
     <p:sldMasterId id="2147483648" r:id="rId1"/>
   </p:sldMasterIdLst>
   <p:notesMasterIdLst>
-    <p:notesMasterId r:id="rId21"/>
+    <p:notesMasterId r:id="rId25"/>
   </p:notesMasterIdLst>
   <p:sldIdLst>
     <p:sldId id="256" r:id="rId2"/>
@@ -27,6 +27,10 @@
     <p:sldId id="272" r:id="rId18"/>
     <p:sldId id="274" r:id="rId19"/>
     <p:sldId id="275" r:id="rId20"/>
+    <p:sldId id="276" r:id="rId21"/>
+    <p:sldId id="277" r:id="rId22"/>
+    <p:sldId id="278" r:id="rId23"/>
+    <p:sldId id="279" r:id="rId24"/>
   </p:sldIdLst>
   <p:sldSz cx="12192000" cy="6858000"/>
   <p:notesSz cx="6858000" cy="9144000"/>
@@ -4809,6 +4813,374 @@
     <p:extLst>
       <p:ext uri="{BB962C8B-B14F-4D97-AF65-F5344CB8AC3E}">
         <p14:creationId xmlns:p14="http://schemas.microsoft.com/office/powerpoint/2010/main" val="58672742"/>
+      </p:ext>
+    </p:extLst>
+  </p:cSld>
+  <p:clrMapOvr>
+    <a:masterClrMapping/>
+  </p:clrMapOvr>
+</p:sld>
+</file>
+
+<file path=ppt/slides/slide20.xml><?xml version="1.0" encoding="utf-8"?>
+<p:sld xmlns:a="http://schemas.openxmlformats.org/drawingml/2006/main" xmlns:r="http://schemas.openxmlformats.org/officeDocument/2006/relationships" xmlns:p="http://schemas.openxmlformats.org/presentationml/2006/main">
+  <p:cSld>
+    <p:spTree>
+      <p:nvGrpSpPr>
+        <p:cNvPr id="1" name=""/>
+        <p:cNvGrpSpPr/>
+        <p:nvPr/>
+      </p:nvGrpSpPr>
+      <p:grpSpPr>
+        <a:xfrm>
+          <a:off x="0" y="0"/>
+          <a:ext cx="0" cy="0"/>
+          <a:chOff x="0" y="0"/>
+          <a:chExt cx="0" cy="0"/>
+        </a:xfrm>
+      </p:grpSpPr>
+      <p:sp>
+        <p:nvSpPr>
+          <p:cNvPr id="2" name="Title 1"/>
+          <p:cNvSpPr>
+            <a:spLocks noGrp="1"/>
+          </p:cNvSpPr>
+          <p:nvPr>
+            <p:ph type="title"/>
+          </p:nvPr>
+        </p:nvSpPr>
+        <p:spPr/>
+        <p:txBody>
+          <a:bodyPr/>
+          <a:lstStyle/>
+          <a:p>
+            <a:r>
+              <a:rPr lang="en-GB" dirty="0" smtClean="0"/>
+              <a:t>Exceptions</a:t>
+            </a:r>
+            <a:endParaRPr lang="en-GB" dirty="0"/>
+          </a:p>
+        </p:txBody>
+      </p:sp>
+      <p:sp>
+        <p:nvSpPr>
+          <p:cNvPr id="3" name="Content Placeholder 2"/>
+          <p:cNvSpPr>
+            <a:spLocks noGrp="1"/>
+          </p:cNvSpPr>
+          <p:nvPr>
+            <p:ph idx="1"/>
+          </p:nvPr>
+        </p:nvSpPr>
+        <p:spPr/>
+        <p:txBody>
+          <a:bodyPr/>
+          <a:lstStyle/>
+          <a:p>
+            <a:r>
+              <a:rPr lang="en-GB" dirty="0" smtClean="0"/>
+              <a:t>try{stuff}catch(err){</a:t>
+            </a:r>
+            <a:r>
+              <a:rPr lang="en-GB" dirty="0" err="1" smtClean="0"/>
+              <a:t>console.log</a:t>
+            </a:r>
+            <a:r>
+              <a:rPr lang="en-GB" dirty="0" smtClean="0"/>
+              <a:t>(err);}finally{do anyway}</a:t>
+            </a:r>
+            <a:endParaRPr lang="en-GB" dirty="0"/>
+          </a:p>
+        </p:txBody>
+      </p:sp>
+    </p:spTree>
+    <p:extLst>
+      <p:ext uri="{BB962C8B-B14F-4D97-AF65-F5344CB8AC3E}">
+        <p14:creationId xmlns:p14="http://schemas.microsoft.com/office/powerpoint/2010/main" val="1512234174"/>
+      </p:ext>
+    </p:extLst>
+  </p:cSld>
+  <p:clrMapOvr>
+    <a:masterClrMapping/>
+  </p:clrMapOvr>
+</p:sld>
+</file>
+
+<file path=ppt/slides/slide21.xml><?xml version="1.0" encoding="utf-8"?>
+<p:sld xmlns:a="http://schemas.openxmlformats.org/drawingml/2006/main" xmlns:r="http://schemas.openxmlformats.org/officeDocument/2006/relationships" xmlns:p="http://schemas.openxmlformats.org/presentationml/2006/main">
+  <p:cSld>
+    <p:spTree>
+      <p:nvGrpSpPr>
+        <p:cNvPr id="1" name=""/>
+        <p:cNvGrpSpPr/>
+        <p:nvPr/>
+      </p:nvGrpSpPr>
+      <p:grpSpPr>
+        <a:xfrm>
+          <a:off x="0" y="0"/>
+          <a:ext cx="0" cy="0"/>
+          <a:chOff x="0" y="0"/>
+          <a:chExt cx="0" cy="0"/>
+        </a:xfrm>
+      </p:grpSpPr>
+      <p:sp>
+        <p:nvSpPr>
+          <p:cNvPr id="2" name="Title 1"/>
+          <p:cNvSpPr>
+            <a:spLocks noGrp="1"/>
+          </p:cNvSpPr>
+          <p:nvPr>
+            <p:ph type="title"/>
+          </p:nvPr>
+        </p:nvSpPr>
+        <p:spPr/>
+        <p:txBody>
+          <a:bodyPr/>
+          <a:lstStyle/>
+          <a:p>
+            <a:r>
+              <a:rPr lang="en-GB" dirty="0" smtClean="0"/>
+              <a:t>Debugging</a:t>
+            </a:r>
+            <a:endParaRPr lang="en-GB" dirty="0"/>
+          </a:p>
+        </p:txBody>
+      </p:sp>
+      <p:sp>
+        <p:nvSpPr>
+          <p:cNvPr id="3" name="Content Placeholder 2"/>
+          <p:cNvSpPr>
+            <a:spLocks noGrp="1"/>
+          </p:cNvSpPr>
+          <p:nvPr>
+            <p:ph idx="1"/>
+          </p:nvPr>
+        </p:nvSpPr>
+        <p:spPr/>
+        <p:txBody>
+          <a:bodyPr/>
+          <a:lstStyle/>
+          <a:p>
+            <a:r>
+              <a:rPr lang="en-GB" dirty="0" err="1" smtClean="0"/>
+              <a:t>Console.log</a:t>
+            </a:r>
+            <a:r>
+              <a:rPr lang="en-GB" dirty="0" smtClean="0"/>
+              <a:t>() ;)</a:t>
+            </a:r>
+          </a:p>
+          <a:p>
+            <a:r>
+              <a:rPr lang="en-GB" dirty="0" smtClean="0"/>
+              <a:t>debugger; creates a </a:t>
+            </a:r>
+            <a:r>
+              <a:rPr lang="en-GB" dirty="0" err="1" smtClean="0"/>
+              <a:t>Breackpoint</a:t>
+            </a:r>
+            <a:endParaRPr lang="en-GB" dirty="0" smtClean="0"/>
+          </a:p>
+        </p:txBody>
+      </p:sp>
+    </p:spTree>
+    <p:extLst>
+      <p:ext uri="{BB962C8B-B14F-4D97-AF65-F5344CB8AC3E}">
+        <p14:creationId xmlns:p14="http://schemas.microsoft.com/office/powerpoint/2010/main" val="34123637"/>
+      </p:ext>
+    </p:extLst>
+  </p:cSld>
+  <p:clrMapOvr>
+    <a:masterClrMapping/>
+  </p:clrMapOvr>
+</p:sld>
+</file>
+
+<file path=ppt/slides/slide22.xml><?xml version="1.0" encoding="utf-8"?>
+<p:sld xmlns:a="http://schemas.openxmlformats.org/drawingml/2006/main" xmlns:r="http://schemas.openxmlformats.org/officeDocument/2006/relationships" xmlns:p="http://schemas.openxmlformats.org/presentationml/2006/main">
+  <p:cSld>
+    <p:spTree>
+      <p:nvGrpSpPr>
+        <p:cNvPr id="1" name=""/>
+        <p:cNvGrpSpPr/>
+        <p:nvPr/>
+      </p:nvGrpSpPr>
+      <p:grpSpPr>
+        <a:xfrm>
+          <a:off x="0" y="0"/>
+          <a:ext cx="0" cy="0"/>
+          <a:chOff x="0" y="0"/>
+          <a:chExt cx="0" cy="0"/>
+        </a:xfrm>
+      </p:grpSpPr>
+      <p:sp>
+        <p:nvSpPr>
+          <p:cNvPr id="2" name="Title 1"/>
+          <p:cNvSpPr>
+            <a:spLocks noGrp="1"/>
+          </p:cNvSpPr>
+          <p:nvPr>
+            <p:ph type="title"/>
+          </p:nvPr>
+        </p:nvSpPr>
+        <p:spPr/>
+        <p:txBody>
+          <a:bodyPr/>
+          <a:lstStyle/>
+          <a:p>
+            <a:r>
+              <a:rPr lang="en-GB" dirty="0" smtClean="0"/>
+              <a:t>Your Turn</a:t>
+            </a:r>
+            <a:endParaRPr lang="en-GB" dirty="0"/>
+          </a:p>
+        </p:txBody>
+      </p:sp>
+      <p:sp>
+        <p:nvSpPr>
+          <p:cNvPr id="3" name="Content Placeholder 2"/>
+          <p:cNvSpPr>
+            <a:spLocks noGrp="1"/>
+          </p:cNvSpPr>
+          <p:nvPr>
+            <p:ph idx="1"/>
+          </p:nvPr>
+        </p:nvSpPr>
+        <p:spPr/>
+        <p:txBody>
+          <a:bodyPr/>
+          <a:lstStyle/>
+          <a:p>
+            <a:r>
+              <a:rPr lang="en-GB" dirty="0" smtClean="0"/>
+              <a:t>Install Editor of your choice (VS </a:t>
+            </a:r>
+            <a:r>
+              <a:rPr lang="en-GB" smtClean="0"/>
+              <a:t>Code)</a:t>
+            </a:r>
+            <a:endParaRPr lang="en-GB" dirty="0" smtClean="0"/>
+          </a:p>
+          <a:p>
+            <a:r>
+              <a:rPr lang="en-GB" dirty="0" smtClean="0"/>
+              <a:t>Open </a:t>
+            </a:r>
+            <a:r>
+              <a:rPr lang="en-GB" dirty="0" smtClean="0">
+                <a:hlinkClick r:id="rId2"/>
+              </a:rPr>
+              <a:t>Code Academy</a:t>
+            </a:r>
+            <a:endParaRPr lang="en-GB" dirty="0" smtClean="0"/>
+          </a:p>
+          <a:p>
+            <a:r>
+              <a:rPr lang="en-GB" dirty="0" smtClean="0"/>
+              <a:t>Create Account and start with exercises</a:t>
+            </a:r>
+            <a:endParaRPr lang="en-GB" dirty="0"/>
+          </a:p>
+        </p:txBody>
+      </p:sp>
+    </p:spTree>
+    <p:extLst>
+      <p:ext uri="{BB962C8B-B14F-4D97-AF65-F5344CB8AC3E}">
+        <p14:creationId xmlns:p14="http://schemas.microsoft.com/office/powerpoint/2010/main" val="1783093731"/>
+      </p:ext>
+    </p:extLst>
+  </p:cSld>
+  <p:clrMapOvr>
+    <a:masterClrMapping/>
+  </p:clrMapOvr>
+</p:sld>
+</file>
+
+<file path=ppt/slides/slide23.xml><?xml version="1.0" encoding="utf-8"?>
+<p:sld xmlns:a="http://schemas.openxmlformats.org/drawingml/2006/main" xmlns:r="http://schemas.openxmlformats.org/officeDocument/2006/relationships" xmlns:p="http://schemas.openxmlformats.org/presentationml/2006/main">
+  <p:cSld>
+    <p:spTree>
+      <p:nvGrpSpPr>
+        <p:cNvPr id="1" name=""/>
+        <p:cNvGrpSpPr/>
+        <p:nvPr/>
+      </p:nvGrpSpPr>
+      <p:grpSpPr>
+        <a:xfrm>
+          <a:off x="0" y="0"/>
+          <a:ext cx="0" cy="0"/>
+          <a:chOff x="0" y="0"/>
+          <a:chExt cx="0" cy="0"/>
+        </a:xfrm>
+      </p:grpSpPr>
+      <p:sp>
+        <p:nvSpPr>
+          <p:cNvPr id="2" name="Title 1"/>
+          <p:cNvSpPr>
+            <a:spLocks noGrp="1"/>
+          </p:cNvSpPr>
+          <p:nvPr>
+            <p:ph type="title"/>
+          </p:nvPr>
+        </p:nvSpPr>
+        <p:spPr/>
+        <p:txBody>
+          <a:bodyPr/>
+          <a:lstStyle/>
+          <a:p>
+            <a:r>
+              <a:rPr lang="en-GB" dirty="0" smtClean="0"/>
+              <a:t>Your turn, again</a:t>
+            </a:r>
+            <a:endParaRPr lang="en-GB" dirty="0"/>
+          </a:p>
+        </p:txBody>
+      </p:sp>
+      <p:sp>
+        <p:nvSpPr>
+          <p:cNvPr id="3" name="Content Placeholder 2"/>
+          <p:cNvSpPr>
+            <a:spLocks noGrp="1"/>
+          </p:cNvSpPr>
+          <p:nvPr>
+            <p:ph idx="1"/>
+          </p:nvPr>
+        </p:nvSpPr>
+        <p:spPr/>
+        <p:txBody>
+          <a:bodyPr/>
+          <a:lstStyle/>
+          <a:p>
+            <a:r>
+              <a:rPr lang="en-GB" dirty="0" smtClean="0"/>
+              <a:t>Create </a:t>
+            </a:r>
+            <a:r>
+              <a:rPr lang="en-GB" dirty="0" err="1" smtClean="0"/>
+              <a:t>SlideShow</a:t>
+            </a:r>
+            <a:r>
+              <a:rPr lang="en-GB" dirty="0" smtClean="0"/>
+              <a:t> like </a:t>
+            </a:r>
+            <a:r>
+              <a:rPr lang="en-GB" dirty="0" smtClean="0">
+                <a:hlinkClick r:id="rId2"/>
+              </a:rPr>
+              <a:t>here</a:t>
+            </a:r>
+            <a:r>
+              <a:rPr lang="en-GB" dirty="0" smtClean="0"/>
+              <a:t> but with JavaScript</a:t>
+            </a:r>
+            <a:endParaRPr lang="en-GB" dirty="0"/>
+          </a:p>
+        </p:txBody>
+      </p:sp>
+    </p:spTree>
+    <p:extLst>
+      <p:ext uri="{BB962C8B-B14F-4D97-AF65-F5344CB8AC3E}">
+        <p14:creationId xmlns:p14="http://schemas.microsoft.com/office/powerpoint/2010/main" val="68433193"/>
       </p:ext>
     </p:extLst>
   </p:cSld>

--- a/JSTrainingj.pptx
+++ b/JSTrainingj.pptx
@@ -3381,6 +3381,44 @@
               <a:rPr lang="en-GB" dirty="0" smtClean="0"/>
               <a:t>Joris Baiutti</a:t>
             </a:r>
+          </a:p>
+          <a:p>
+            <a:r>
+              <a:rPr lang="en-GB" dirty="0" smtClean="0">
+                <a:hlinkClick r:id="rId2"/>
+              </a:rPr>
+              <a:t>https://</a:t>
+            </a:r>
+            <a:r>
+              <a:rPr lang="en-GB" dirty="0" err="1" smtClean="0">
+                <a:hlinkClick r:id="rId2"/>
+              </a:rPr>
+              <a:t>github.com</a:t>
+            </a:r>
+            <a:r>
+              <a:rPr lang="en-GB" dirty="0" smtClean="0">
+                <a:hlinkClick r:id="rId2"/>
+              </a:rPr>
+              <a:t>/</a:t>
+            </a:r>
+            <a:r>
+              <a:rPr lang="en-GB" dirty="0" err="1" smtClean="0">
+                <a:hlinkClick r:id="rId2"/>
+              </a:rPr>
+              <a:t>jorisbaiutti</a:t>
+            </a:r>
+            <a:r>
+              <a:rPr lang="en-GB" dirty="0" smtClean="0">
+                <a:hlinkClick r:id="rId2"/>
+              </a:rPr>
+              <a:t>/</a:t>
+            </a:r>
+            <a:r>
+              <a:rPr lang="en-GB" dirty="0" err="1" smtClean="0">
+                <a:hlinkClick r:id="rId2"/>
+              </a:rPr>
+              <a:t>JSTraining</a:t>
+            </a:r>
             <a:endParaRPr lang="en-GB" dirty="0"/>
           </a:p>
         </p:txBody>
@@ -4807,6 +4845,12 @@
               <a:t>Runs mostly on client</a:t>
             </a:r>
           </a:p>
+          <a:p>
+            <a:r>
+              <a:rPr lang="en-GB" dirty="0" smtClean="0"/>
+              <a:t>Frontend/Backend</a:t>
+            </a:r>
+          </a:p>
         </p:txBody>
       </p:sp>
     </p:spTree>
@@ -5053,13 +5097,8 @@
           <a:p>
             <a:r>
               <a:rPr lang="en-GB" dirty="0" smtClean="0"/>
-              <a:t>Install Editor of your choice (VS </a:t>
-            </a:r>
-            <a:r>
-              <a:rPr lang="en-GB" smtClean="0"/>
-              <a:t>Code)</a:t>
-            </a:r>
-            <a:endParaRPr lang="en-GB" dirty="0" smtClean="0"/>
+              <a:t>Install Editor of your choice (VS Code)</a:t>
+            </a:r>
           </a:p>
           <a:p>
             <a:r>
@@ -5317,10 +5356,23 @@
           <a:p>
             <a:r>
               <a:rPr lang="en-GB" dirty="0" smtClean="0"/>
-              <a:t>ES7</a:t>
-            </a:r>
-          </a:p>
-          <a:p>
+              <a:t>Classes, Arrow functions, Inheritance, let, </a:t>
+            </a:r>
+            <a:r>
+              <a:rPr lang="en-GB" dirty="0" err="1" smtClean="0"/>
+              <a:t>const</a:t>
+            </a:r>
+            <a:endParaRPr lang="en-GB" dirty="0" smtClean="0"/>
+          </a:p>
+          <a:p>
+            <a:r>
+              <a:rPr lang="en-GB"/>
+              <a:t>T</a:t>
+            </a:r>
+            <a:r>
+              <a:rPr lang="en-GB" smtClean="0"/>
+              <a:t>ranspiling</a:t>
+            </a:r>
             <a:endParaRPr lang="en-GB" dirty="0"/>
           </a:p>
         </p:txBody>
